--- a/doc/olstec.pptx
+++ b/doc/olstec.pptx
@@ -6,7 +6,7 @@
   </p:sldMasterIdLst>
   <p:sldIdLst>
     <p:sldId id="257" r:id="rId2"/>
-    <p:sldId id="258" r:id="rId3"/>
+    <p:sldId id="259" r:id="rId3"/>
   </p:sldIdLst>
   <p:sldSz cx="12192000" cy="6858000"/>
   <p:notesSz cx="6858000" cy="9144000"/>
@@ -244,7 +244,7 @@
           <a:p>
             <a:fld id="{EF8EC1FA-2DE2-BB4C-9D3F-17B46F4C8A7F}" type="datetimeFigureOut">
               <a:rPr kumimoji="1" lang="ja-JP" altLang="en-US" smtClean="0"/>
-              <a:t>2017/6/7</a:t>
+              <a:t>2017/6/13</a:t>
             </a:fld>
             <a:endParaRPr kumimoji="1" lang="ja-JP" altLang="en-US"/>
           </a:p>
@@ -446,7 +446,7 @@
           <a:p>
             <a:fld id="{EF8EC1FA-2DE2-BB4C-9D3F-17B46F4C8A7F}" type="datetimeFigureOut">
               <a:rPr kumimoji="1" lang="ja-JP" altLang="en-US" smtClean="0"/>
-              <a:t>2017/6/7</a:t>
+              <a:t>2017/6/13</a:t>
             </a:fld>
             <a:endParaRPr kumimoji="1" lang="ja-JP" altLang="en-US"/>
           </a:p>
@@ -658,7 +658,7 @@
           <a:p>
             <a:fld id="{EF8EC1FA-2DE2-BB4C-9D3F-17B46F4C8A7F}" type="datetimeFigureOut">
               <a:rPr kumimoji="1" lang="ja-JP" altLang="en-US" smtClean="0"/>
-              <a:t>2017/6/7</a:t>
+              <a:t>2017/6/13</a:t>
             </a:fld>
             <a:endParaRPr kumimoji="1" lang="ja-JP" altLang="en-US"/>
           </a:p>
@@ -860,7 +860,7 @@
           <a:p>
             <a:fld id="{EF8EC1FA-2DE2-BB4C-9D3F-17B46F4C8A7F}" type="datetimeFigureOut">
               <a:rPr kumimoji="1" lang="ja-JP" altLang="en-US" smtClean="0"/>
-              <a:t>2017/6/7</a:t>
+              <a:t>2017/6/13</a:t>
             </a:fld>
             <a:endParaRPr kumimoji="1" lang="ja-JP" altLang="en-US"/>
           </a:p>
@@ -1106,7 +1106,7 @@
           <a:p>
             <a:fld id="{EF8EC1FA-2DE2-BB4C-9D3F-17B46F4C8A7F}" type="datetimeFigureOut">
               <a:rPr kumimoji="1" lang="ja-JP" altLang="en-US" smtClean="0"/>
-              <a:t>2017/6/7</a:t>
+              <a:t>2017/6/13</a:t>
             </a:fld>
             <a:endParaRPr kumimoji="1" lang="ja-JP" altLang="en-US"/>
           </a:p>
@@ -1402,7 +1402,7 @@
           <a:p>
             <a:fld id="{EF8EC1FA-2DE2-BB4C-9D3F-17B46F4C8A7F}" type="datetimeFigureOut">
               <a:rPr kumimoji="1" lang="ja-JP" altLang="en-US" smtClean="0"/>
-              <a:t>2017/6/7</a:t>
+              <a:t>2017/6/13</a:t>
             </a:fld>
             <a:endParaRPr kumimoji="1" lang="ja-JP" altLang="en-US"/>
           </a:p>
@@ -1833,7 +1833,7 @@
           <a:p>
             <a:fld id="{EF8EC1FA-2DE2-BB4C-9D3F-17B46F4C8A7F}" type="datetimeFigureOut">
               <a:rPr kumimoji="1" lang="ja-JP" altLang="en-US" smtClean="0"/>
-              <a:t>2017/6/7</a:t>
+              <a:t>2017/6/13</a:t>
             </a:fld>
             <a:endParaRPr kumimoji="1" lang="ja-JP" altLang="en-US"/>
           </a:p>
@@ -1951,7 +1951,7 @@
           <a:p>
             <a:fld id="{EF8EC1FA-2DE2-BB4C-9D3F-17B46F4C8A7F}" type="datetimeFigureOut">
               <a:rPr kumimoji="1" lang="ja-JP" altLang="en-US" smtClean="0"/>
-              <a:t>2017/6/7</a:t>
+              <a:t>2017/6/13</a:t>
             </a:fld>
             <a:endParaRPr kumimoji="1" lang="ja-JP" altLang="en-US"/>
           </a:p>
@@ -2046,7 +2046,7 @@
           <a:p>
             <a:fld id="{EF8EC1FA-2DE2-BB4C-9D3F-17B46F4C8A7F}" type="datetimeFigureOut">
               <a:rPr kumimoji="1" lang="ja-JP" altLang="en-US" smtClean="0"/>
-              <a:t>2017/6/7</a:t>
+              <a:t>2017/6/13</a:t>
             </a:fld>
             <a:endParaRPr kumimoji="1" lang="ja-JP" altLang="en-US"/>
           </a:p>
@@ -2355,7 +2355,7 @@
           <a:p>
             <a:fld id="{EF8EC1FA-2DE2-BB4C-9D3F-17B46F4C8A7F}" type="datetimeFigureOut">
               <a:rPr kumimoji="1" lang="ja-JP" altLang="en-US" smtClean="0"/>
-              <a:t>2017/6/7</a:t>
+              <a:t>2017/6/13</a:t>
             </a:fld>
             <a:endParaRPr kumimoji="1" lang="ja-JP" altLang="en-US"/>
           </a:p>
@@ -2608,7 +2608,7 @@
           <a:p>
             <a:fld id="{EF8EC1FA-2DE2-BB4C-9D3F-17B46F4C8A7F}" type="datetimeFigureOut">
               <a:rPr kumimoji="1" lang="ja-JP" altLang="en-US" smtClean="0"/>
-              <a:t>2017/6/7</a:t>
+              <a:t>2017/6/13</a:t>
             </a:fld>
             <a:endParaRPr kumimoji="1" lang="ja-JP" altLang="en-US"/>
           </a:p>
@@ -2853,7 +2853,7 @@
           <a:p>
             <a:fld id="{EF8EC1FA-2DE2-BB4C-9D3F-17B46F4C8A7F}" type="datetimeFigureOut">
               <a:rPr kumimoji="1" lang="ja-JP" altLang="en-US" smtClean="0"/>
-              <a:t>2017/6/7</a:t>
+              <a:t>2017/6/13</a:t>
             </a:fld>
             <a:endParaRPr kumimoji="1" lang="ja-JP" altLang="en-US"/>
           </a:p>
@@ -3355,10 +3355,360 @@
           <a:chExt cx="0" cy="0"/>
         </a:xfrm>
       </p:grpSpPr>
+      <p:pic>
+        <p:nvPicPr>
+          <p:cNvPr id="4" name="図 3"/>
+          <p:cNvPicPr>
+            <a:picLocks noChangeAspect="1"/>
+          </p:cNvPicPr>
+          <p:nvPr/>
+        </p:nvPicPr>
+        <p:blipFill>
+          <a:blip r:embed="rId2">
+            <a:extLst>
+              <a:ext uri="{28A0092B-C50C-407E-A947-70E740481C1C}">
+                <a14:useLocalDpi xmlns:a14="http://schemas.microsoft.com/office/drawing/2010/main" val="0"/>
+              </a:ext>
+            </a:extLst>
+          </a:blip>
+          <a:stretch>
+            <a:fillRect/>
+          </a:stretch>
+        </p:blipFill>
+        <p:spPr>
+          <a:xfrm>
+            <a:off x="5858793" y="1412776"/>
+            <a:ext cx="5317521" cy="3988140"/>
+          </a:xfrm>
+          <a:prstGeom prst="rect">
+            <a:avLst/>
+          </a:prstGeom>
+        </p:spPr>
+      </p:pic>
+      <p:pic>
+        <p:nvPicPr>
+          <p:cNvPr id="5" name="図 4"/>
+          <p:cNvPicPr>
+            <a:picLocks noChangeAspect="1"/>
+          </p:cNvPicPr>
+          <p:nvPr/>
+        </p:nvPicPr>
+        <p:blipFill>
+          <a:blip r:embed="rId3">
+            <a:extLst>
+              <a:ext uri="{28A0092B-C50C-407E-A947-70E740481C1C}">
+                <a14:useLocalDpi xmlns:a14="http://schemas.microsoft.com/office/drawing/2010/main" val="0"/>
+              </a:ext>
+            </a:extLst>
+          </a:blip>
+          <a:stretch>
+            <a:fillRect/>
+          </a:stretch>
+        </p:blipFill>
+        <p:spPr>
+          <a:xfrm>
+            <a:off x="496168" y="1412776"/>
+            <a:ext cx="5317521" cy="3988140"/>
+          </a:xfrm>
+          <a:prstGeom prst="rect">
+            <a:avLst/>
+          </a:prstGeom>
+        </p:spPr>
+      </p:pic>
+      <p:sp>
+        <p:nvSpPr>
+          <p:cNvPr id="2" name="正方形/長方形 1"/>
+          <p:cNvSpPr/>
+          <p:nvPr/>
+        </p:nvSpPr>
+        <p:spPr>
+          <a:xfrm>
+            <a:off x="1476462" y="1719742"/>
+            <a:ext cx="731106" cy="3175234"/>
+          </a:xfrm>
+          <a:prstGeom prst="rect">
+            <a:avLst/>
+          </a:prstGeom>
+          <a:solidFill>
+            <a:schemeClr val="accent4">
+              <a:lumMod val="40000"/>
+              <a:lumOff val="60000"/>
+              <a:alpha val="34000"/>
+            </a:schemeClr>
+          </a:solidFill>
+          <a:ln>
+            <a:noFill/>
+          </a:ln>
+        </p:spPr>
+        <p:style>
+          <a:lnRef idx="2">
+            <a:schemeClr val="accent1">
+              <a:shade val="50000"/>
+            </a:schemeClr>
+          </a:lnRef>
+          <a:fillRef idx="1">
+            <a:schemeClr val="accent1"/>
+          </a:fillRef>
+          <a:effectRef idx="0">
+            <a:schemeClr val="accent1"/>
+          </a:effectRef>
+          <a:fontRef idx="minor">
+            <a:schemeClr val="lt1"/>
+          </a:fontRef>
+        </p:style>
+        <p:txBody>
+          <a:bodyPr rtlCol="0" anchor="ctr"/>
+          <a:lstStyle/>
+          <a:p>
+            <a:pPr algn="ctr"/>
+            <a:endParaRPr kumimoji="1" lang="ja-JP" altLang="en-US"/>
+          </a:p>
+        </p:txBody>
+      </p:sp>
+      <p:sp>
+        <p:nvSpPr>
+          <p:cNvPr id="6" name="正方形/長方形 5"/>
+          <p:cNvSpPr/>
+          <p:nvPr/>
+        </p:nvSpPr>
+        <p:spPr>
+          <a:xfrm>
+            <a:off x="2734419" y="1719741"/>
+            <a:ext cx="558260" cy="3175234"/>
+          </a:xfrm>
+          <a:prstGeom prst="rect">
+            <a:avLst/>
+          </a:prstGeom>
+          <a:solidFill>
+            <a:schemeClr val="accent4">
+              <a:lumMod val="40000"/>
+              <a:lumOff val="60000"/>
+              <a:alpha val="34000"/>
+            </a:schemeClr>
+          </a:solidFill>
+          <a:ln>
+            <a:noFill/>
+          </a:ln>
+        </p:spPr>
+        <p:style>
+          <a:lnRef idx="2">
+            <a:schemeClr val="accent1">
+              <a:shade val="50000"/>
+            </a:schemeClr>
+          </a:lnRef>
+          <a:fillRef idx="1">
+            <a:schemeClr val="accent1"/>
+          </a:fillRef>
+          <a:effectRef idx="0">
+            <a:schemeClr val="accent1"/>
+          </a:effectRef>
+          <a:fontRef idx="minor">
+            <a:schemeClr val="lt1"/>
+          </a:fontRef>
+        </p:style>
+        <p:txBody>
+          <a:bodyPr rtlCol="0" anchor="ctr"/>
+          <a:lstStyle/>
+          <a:p>
+            <a:pPr algn="ctr"/>
+            <a:endParaRPr kumimoji="1" lang="ja-JP" altLang="en-US"/>
+          </a:p>
+        </p:txBody>
+      </p:sp>
+      <p:sp>
+        <p:nvSpPr>
+          <p:cNvPr id="7" name="正方形/長方形 6"/>
+          <p:cNvSpPr/>
+          <p:nvPr/>
+        </p:nvSpPr>
+        <p:spPr>
+          <a:xfrm>
+            <a:off x="3960503" y="3158454"/>
+            <a:ext cx="648072" cy="1736521"/>
+          </a:xfrm>
+          <a:prstGeom prst="rect">
+            <a:avLst/>
+          </a:prstGeom>
+          <a:solidFill>
+            <a:schemeClr val="accent4">
+              <a:lumMod val="40000"/>
+              <a:lumOff val="60000"/>
+              <a:alpha val="34000"/>
+            </a:schemeClr>
+          </a:solidFill>
+          <a:ln>
+            <a:noFill/>
+          </a:ln>
+        </p:spPr>
+        <p:style>
+          <a:lnRef idx="2">
+            <a:schemeClr val="accent1">
+              <a:shade val="50000"/>
+            </a:schemeClr>
+          </a:lnRef>
+          <a:fillRef idx="1">
+            <a:schemeClr val="accent1"/>
+          </a:fillRef>
+          <a:effectRef idx="0">
+            <a:schemeClr val="accent1"/>
+          </a:effectRef>
+          <a:fontRef idx="minor">
+            <a:schemeClr val="lt1"/>
+          </a:fontRef>
+        </p:style>
+        <p:txBody>
+          <a:bodyPr rtlCol="0" anchor="ctr"/>
+          <a:lstStyle/>
+          <a:p>
+            <a:pPr algn="ctr"/>
+            <a:endParaRPr kumimoji="1" lang="ja-JP" altLang="en-US"/>
+          </a:p>
+        </p:txBody>
+      </p:sp>
+      <p:sp>
+        <p:nvSpPr>
+          <p:cNvPr id="9" name="正方形/長方形 8"/>
+          <p:cNvSpPr/>
+          <p:nvPr/>
+        </p:nvSpPr>
+        <p:spPr>
+          <a:xfrm>
+            <a:off x="3964351" y="1719742"/>
+            <a:ext cx="648072" cy="151004"/>
+          </a:xfrm>
+          <a:prstGeom prst="rect">
+            <a:avLst/>
+          </a:prstGeom>
+          <a:solidFill>
+            <a:schemeClr val="accent4">
+              <a:lumMod val="40000"/>
+              <a:lumOff val="60000"/>
+              <a:alpha val="34000"/>
+            </a:schemeClr>
+          </a:solidFill>
+          <a:ln>
+            <a:noFill/>
+          </a:ln>
+        </p:spPr>
+        <p:style>
+          <a:lnRef idx="2">
+            <a:schemeClr val="accent1">
+              <a:shade val="50000"/>
+            </a:schemeClr>
+          </a:lnRef>
+          <a:fillRef idx="1">
+            <a:schemeClr val="accent1"/>
+          </a:fillRef>
+          <a:effectRef idx="0">
+            <a:schemeClr val="accent1"/>
+          </a:effectRef>
+          <a:fontRef idx="minor">
+            <a:schemeClr val="lt1"/>
+          </a:fontRef>
+        </p:style>
+        <p:txBody>
+          <a:bodyPr rtlCol="0" anchor="ctr"/>
+          <a:lstStyle/>
+          <a:p>
+            <a:pPr algn="ctr"/>
+            <a:endParaRPr kumimoji="1" lang="ja-JP" altLang="en-US"/>
+          </a:p>
+        </p:txBody>
+      </p:sp>
+      <p:sp>
+        <p:nvSpPr>
+          <p:cNvPr id="3" name="テキスト ボックス 2"/>
+          <p:cNvSpPr txBox="1"/>
+          <p:nvPr/>
+        </p:nvSpPr>
+        <p:spPr>
+          <a:xfrm>
+            <a:off x="1471469" y="1458131"/>
+            <a:ext cx="736099" cy="261610"/>
+          </a:xfrm>
+          <a:prstGeom prst="rect">
+            <a:avLst/>
+          </a:prstGeom>
+          <a:noFill/>
+        </p:spPr>
+        <p:txBody>
+          <a:bodyPr wrap="none" rtlCol="0">
+            <a:spAutoFit/>
+          </a:bodyPr>
+          <a:lstStyle/>
+          <a:p>
+            <a:r>
+              <a:rPr kumimoji="1" lang="en-US" altLang="ja-JP" sz="1100" smtClean="0"/>
+              <a:t>Right-Pan</a:t>
+            </a:r>
+            <a:endParaRPr kumimoji="1" lang="ja-JP" altLang="en-US" sz="1100" dirty="0"/>
+          </a:p>
+        </p:txBody>
+      </p:sp>
+      <p:sp>
+        <p:nvSpPr>
+          <p:cNvPr id="10" name="テキスト ボックス 9"/>
+          <p:cNvSpPr txBox="1"/>
+          <p:nvPr/>
+        </p:nvSpPr>
+        <p:spPr>
+          <a:xfrm>
+            <a:off x="3916489" y="1458131"/>
+            <a:ext cx="736099" cy="261610"/>
+          </a:xfrm>
+          <a:prstGeom prst="rect">
+            <a:avLst/>
+          </a:prstGeom>
+          <a:noFill/>
+        </p:spPr>
+        <p:txBody>
+          <a:bodyPr wrap="none" rtlCol="0">
+            <a:spAutoFit/>
+          </a:bodyPr>
+          <a:lstStyle/>
+          <a:p>
+            <a:r>
+              <a:rPr kumimoji="1" lang="en-US" altLang="ja-JP" sz="1100" smtClean="0"/>
+              <a:t>Right-Pan</a:t>
+            </a:r>
+            <a:endParaRPr kumimoji="1" lang="ja-JP" altLang="en-US" sz="1100" dirty="0"/>
+          </a:p>
+        </p:txBody>
+      </p:sp>
+      <p:sp>
+        <p:nvSpPr>
+          <p:cNvPr id="11" name="テキスト ボックス 10"/>
+          <p:cNvSpPr txBox="1"/>
+          <p:nvPr/>
+        </p:nvSpPr>
+        <p:spPr>
+          <a:xfrm>
+            <a:off x="2691634" y="1458131"/>
+            <a:ext cx="660758" cy="261610"/>
+          </a:xfrm>
+          <a:prstGeom prst="rect">
+            <a:avLst/>
+          </a:prstGeom>
+          <a:noFill/>
+        </p:spPr>
+        <p:txBody>
+          <a:bodyPr wrap="none" rtlCol="0">
+            <a:spAutoFit/>
+          </a:bodyPr>
+          <a:lstStyle/>
+          <a:p>
+            <a:r>
+              <a:rPr kumimoji="1" lang="en-US" altLang="ja-JP" sz="1100" smtClean="0"/>
+              <a:t>Left-Pan</a:t>
+            </a:r>
+            <a:endParaRPr kumimoji="1" lang="ja-JP" altLang="en-US" sz="1100" dirty="0"/>
+          </a:p>
+        </p:txBody>
+      </p:sp>
     </p:spTree>
     <p:extLst>
       <p:ext uri="{BB962C8B-B14F-4D97-AF65-F5344CB8AC3E}">
-        <p14:creationId xmlns:p14="http://schemas.microsoft.com/office/powerpoint/2010/main" val="758844155"/>
+        <p14:creationId xmlns:p14="http://schemas.microsoft.com/office/powerpoint/2010/main" val="1939724967"/>
       </p:ext>
     </p:extLst>
   </p:cSld>
